--- a/20140403-how_the_internet_works.pptx
+++ b/20140403-how_the_internet_works.pptx
@@ -210,7 +210,7 @@
           <a:p>
             <a:fld id="{740616EA-7DD0-4941-A75A-3667382BAFA7}" type="datetimeFigureOut">
               <a:rPr lang="en-AU" smtClean="0"/>
-              <a:t>1/04/2014</a:t>
+              <a:t>6/06/2016</a:t>
             </a:fld>
             <a:endParaRPr lang="en-AU"/>
           </a:p>
@@ -376,7 +376,7 @@
           <a:p>
             <a:fld id="{587278A0-4A02-4D4B-A8AB-1E1752F8063F}" type="datetimeFigureOut">
               <a:rPr lang="en-AU" smtClean="0"/>
-              <a:t>1/04/2014</a:t>
+              <a:t>6/06/2016</a:t>
             </a:fld>
             <a:endParaRPr lang="en-AU"/>
           </a:p>
@@ -1456,7 +1456,7 @@
           <a:p>
             <a:fld id="{0EAB0777-4C60-462E-A92C-CDAFD498799C}" type="datetimeFigureOut">
               <a:rPr lang="en-US" smtClean="0"/>
-              <a:t>4/1/2014</a:t>
+              <a:t>6/6/2016</a:t>
             </a:fld>
             <a:endParaRPr lang="en-US"/>
           </a:p>
@@ -1625,7 +1625,7 @@
           <a:p>
             <a:fld id="{0EAB0777-4C60-462E-A92C-CDAFD498799C}" type="datetimeFigureOut">
               <a:rPr lang="en-US" smtClean="0"/>
-              <a:t>4/1/2014</a:t>
+              <a:t>6/6/2016</a:t>
             </a:fld>
             <a:endParaRPr lang="en-US"/>
           </a:p>
@@ -1871,7 +1871,7 @@
           <a:p>
             <a:fld id="{0EAB0777-4C60-462E-A92C-CDAFD498799C}" type="datetimeFigureOut">
               <a:rPr lang="en-US" smtClean="0"/>
-              <a:t>4/1/2014</a:t>
+              <a:t>6/6/2016</a:t>
             </a:fld>
             <a:endParaRPr lang="en-US"/>
           </a:p>
@@ -2139,7 +2139,7 @@
           <a:p>
             <a:fld id="{0EAB0777-4C60-462E-A92C-CDAFD498799C}" type="datetimeFigureOut">
               <a:rPr lang="en-US" smtClean="0"/>
-              <a:t>4/1/2014</a:t>
+              <a:t>6/6/2016</a:t>
             </a:fld>
             <a:endParaRPr lang="en-US"/>
           </a:p>
@@ -2521,7 +2521,7 @@
           <a:p>
             <a:fld id="{0EAB0777-4C60-462E-A92C-CDAFD498799C}" type="datetimeFigureOut">
               <a:rPr lang="en-US" smtClean="0"/>
-              <a:t>4/1/2014</a:t>
+              <a:t>6/6/2016</a:t>
             </a:fld>
             <a:endParaRPr lang="en-US"/>
           </a:p>
@@ -2675,7 +2675,7 @@
           <a:p>
             <a:fld id="{0EAB0777-4C60-462E-A92C-CDAFD498799C}" type="datetimeFigureOut">
               <a:rPr lang="en-US" smtClean="0"/>
-              <a:t>4/1/2014</a:t>
+              <a:t>6/6/2016</a:t>
             </a:fld>
             <a:endParaRPr lang="en-US"/>
           </a:p>
@@ -2769,7 +2769,7 @@
           <a:p>
             <a:fld id="{0EAB0777-4C60-462E-A92C-CDAFD498799C}" type="datetimeFigureOut">
               <a:rPr lang="en-US" smtClean="0"/>
-              <a:t>4/1/2014</a:t>
+              <a:t>6/6/2016</a:t>
             </a:fld>
             <a:endParaRPr lang="en-US"/>
           </a:p>
@@ -3034,7 +3034,7 @@
           <a:p>
             <a:fld id="{0EAB0777-4C60-462E-A92C-CDAFD498799C}" type="datetimeFigureOut">
               <a:rPr lang="en-US" smtClean="0"/>
-              <a:t>4/1/2014</a:t>
+              <a:t>6/6/2016</a:t>
             </a:fld>
             <a:endParaRPr lang="en-US"/>
           </a:p>
@@ -3517,7 +3517,7 @@
           <a:p>
             <a:fld id="{0EAB0777-4C60-462E-A92C-CDAFD498799C}" type="datetimeFigureOut">
               <a:rPr lang="en-US" smtClean="0"/>
-              <a:t>4/1/2014</a:t>
+              <a:t>6/6/2016</a:t>
             </a:fld>
             <a:endParaRPr lang="en-US"/>
           </a:p>
@@ -3993,7 +3993,7 @@
           <a:p>
             <a:fld id="{0EAB0777-4C60-462E-A92C-CDAFD498799C}" type="datetimeFigureOut">
               <a:rPr lang="en-US" smtClean="0"/>
-              <a:t>4/1/2014</a:t>
+              <a:t>6/6/2016</a:t>
             </a:fld>
             <a:endParaRPr lang="en-US"/>
           </a:p>
@@ -4172,7 +4172,7 @@
           <a:p>
             <a:fld id="{0EAB0777-4C60-462E-A92C-CDAFD498799C}" type="datetimeFigureOut">
               <a:rPr lang="en-US" smtClean="0"/>
-              <a:t>4/1/2014</a:t>
+              <a:t>6/6/2016</a:t>
             </a:fld>
             <a:endParaRPr lang="en-US"/>
           </a:p>
@@ -6815,7 +6815,7 @@
           <a:p>
             <a:fld id="{0EAB0777-4C60-462E-A92C-CDAFD498799C}" type="datetimeFigureOut">
               <a:rPr lang="en-US" smtClean="0"/>
-              <a:t>4/1/2014</a:t>
+              <a:t>6/6/2016</a:t>
             </a:fld>
             <a:endParaRPr lang="en-US"/>
           </a:p>
@@ -7489,11 +7489,7 @@
           <a:p>
             <a:r>
               <a:rPr lang="en-US" dirty="0" smtClean="0"/>
-              <a:t>3</a:t>
-            </a:r>
-            <a:r>
-              <a:rPr lang="en-US" dirty="0" smtClean="0"/>
-              <a:t>-Apr-2014</a:t>
+              <a:t>3-Apr-2014</a:t>
             </a:r>
             <a:endParaRPr lang="en-AU" dirty="0"/>
           </a:p>
@@ -8433,13 +8429,10 @@
               <a:t>visit to a web page in your browser typically involves the exchange of a lot of different types of data (web pages, style sheets, images, forms </a:t>
             </a:r>
             <a:r>
-              <a:rPr lang="en-AU" dirty="0" err="1"/>
-              <a:t>etc</a:t>
-            </a:r>
-            <a:r>
-              <a:rPr lang="en-AU" dirty="0"/>
-              <a:t>)</a:t>
-            </a:r>
+              <a:rPr lang="en-AU" dirty="0" smtClean="0"/>
+              <a:t>etc.)</a:t>
+            </a:r>
+            <a:endParaRPr lang="en-AU" dirty="0"/>
           </a:p>
           <a:p>
             <a:pPr lvl="1"/>
@@ -8545,8 +8538,8 @@
               <a:t>which service will process the packet at the </a:t>
             </a:r>
             <a:r>
-              <a:rPr lang="en-AU" dirty="0" err="1" smtClean="0"/>
-              <a:t>dest</a:t>
+              <a:rPr lang="en-AU" dirty="0" smtClean="0"/>
+              <a:t>destination</a:t>
             </a:r>
             <a:endParaRPr lang="en-AU" dirty="0"/>
           </a:p>
@@ -9434,8 +9427,8 @@
           </a:p>
           <a:p>
             <a:r>
-              <a:rPr lang="en-US" dirty="0" err="1" smtClean="0"/>
-              <a:t>etc</a:t>
+              <a:rPr lang="en-US" dirty="0" smtClean="0"/>
+              <a:t>Etc.</a:t>
             </a:r>
             <a:endParaRPr lang="en-US" dirty="0"/>
           </a:p>
@@ -9554,13 +9547,24 @@
               <a:rPr lang="en-US" dirty="0" smtClean="0"/>
               <a:t>TCP/IP has been around for over 40 years</a:t>
             </a:r>
-            <a:endParaRPr lang="en-US" dirty="0" smtClean="0"/>
           </a:p>
           <a:p>
             <a:pPr lvl="1"/>
             <a:r>
               <a:rPr lang="en-US" dirty="0" smtClean="0"/>
-              <a:t>There are literally thousands of protocols based on it</a:t>
+              <a:t>There are </a:t>
+            </a:r>
+            <a:r>
+              <a:rPr lang="en-US" smtClean="0"/>
+              <a:t>hundredsof</a:t>
+            </a:r>
+            <a:r>
+              <a:rPr lang="en-US" dirty="0" smtClean="0"/>
+              <a:t> </a:t>
+            </a:r>
+            <a:r>
+              <a:rPr lang="en-US" dirty="0" smtClean="0"/>
+              <a:t>protocols based on it</a:t>
             </a:r>
             <a:endParaRPr lang="en-AU" dirty="0"/>
           </a:p>
@@ -10194,7 +10198,7 @@
           <p:nvPr>
             <p:extLst>
               <p:ext uri="{D42A27DB-BD31-4B8C-83A1-F6EECF244321}">
-                <p14:modId xmlns:p14="http://schemas.microsoft.com/office/powerpoint/2010/main" val="331577636"/>
+                <p14:modId xmlns:p14="http://schemas.microsoft.com/office/powerpoint/2010/main" val="1993578112"/>
               </p:ext>
             </p:extLst>
           </p:nvPr>
@@ -10450,8 +10454,8 @@
                     <a:p>
                       <a:pPr algn="ctr"/>
                       <a:r>
-                        <a:rPr lang="en-US" dirty="0" err="1" smtClean="0"/>
-                        <a:t>ethernet</a:t>
+                        <a:rPr lang="en-US" dirty="0" smtClean="0"/>
+                        <a:t>Ethernet</a:t>
                       </a:r>
                       <a:endParaRPr lang="en-AU" dirty="0"/>
                     </a:p>
@@ -10792,6 +10796,12 @@
           </a:bodyPr>
           <a:lstStyle/>
           <a:p>
+            <a:r>
+              <a:rPr lang="en-US" dirty="0" smtClean="0"/>
+              <a:t>Ethernet packets:</a:t>
+            </a:r>
+          </a:p>
+          <a:p>
             <a:endParaRPr lang="en-US" dirty="0" smtClean="0"/>
           </a:p>
           <a:p>
@@ -10799,12 +10809,8 @@
           </a:p>
           <a:p>
             <a:r>
-              <a:rPr lang="en-US" dirty="0" err="1"/>
-              <a:t>s</a:t>
-            </a:r>
-            <a:r>
               <a:rPr lang="en-US" dirty="0" err="1" smtClean="0"/>
-              <a:t>rc</a:t>
+              <a:t>src</a:t>
             </a:r>
             <a:r>
               <a:rPr lang="en-US" dirty="0" smtClean="0"/>
@@ -10984,13 +10990,13 @@
           <p:nvPr>
             <p:extLst>
               <p:ext uri="{D42A27DB-BD31-4B8C-83A1-F6EECF244321}">
-                <p14:modId xmlns:p14="http://schemas.microsoft.com/office/powerpoint/2010/main" val="3087017445"/>
+                <p14:modId xmlns:p14="http://schemas.microsoft.com/office/powerpoint/2010/main" val="2010179025"/>
               </p:ext>
             </p:extLst>
           </p:nvPr>
         </p:nvGraphicFramePr>
         <p:xfrm>
-          <a:off x="1043608" y="1124744"/>
+          <a:off x="1043608" y="1412776"/>
           <a:ext cx="6942016" cy="370840"/>
         </p:xfrm>
         <a:graphic>
@@ -11185,8 +11191,12 @@
               <a:t>IP </a:t>
             </a:r>
             <a:r>
-              <a:rPr lang="en-AU" dirty="0"/>
-              <a:t>addresses are hierarchical: A.B.C.D</a:t>
+              <a:rPr lang="en-AU" dirty="0" smtClean="0"/>
+              <a:t>addresses, on the other hand, are </a:t>
+            </a:r>
+            <a:r>
+              <a:rPr lang="en-AU" dirty="0"/>
+              <a:t>hierarchical: A.B.C.D</a:t>
             </a:r>
           </a:p>
           <a:p>
@@ -11697,7 +11707,19 @@
             </a:r>
             <a:r>
               <a:rPr lang="en-AU" dirty="0"/>
-              <a:t>all packets for 203.8.* to *that* router over there</a:t>
+              <a:t>all packets for 203.8.* to </a:t>
+            </a:r>
+            <a:r>
+              <a:rPr lang="en-AU" i="1" dirty="0" smtClean="0"/>
+              <a:t>that</a:t>
+            </a:r>
+            <a:r>
+              <a:rPr lang="en-AU" dirty="0" smtClean="0"/>
+              <a:t> </a:t>
+            </a:r>
+            <a:r>
+              <a:rPr lang="en-AU" dirty="0"/>
+              <a:t>router over there</a:t>
             </a:r>
           </a:p>
           <a:p>
